--- a/0203StockPrice_Design4/StockPrice_Design4.pptx
+++ b/0203StockPrice_Design4/StockPrice_Design4.pptx
@@ -197,7 +197,7 @@
             <a:fld id="{25F67A7C-AD5F-408B-A63E-11878FD7E7F7}" type="datetimeFigureOut">
               <a:rPr lang="ko-KR" altLang="en-US" smtClean="0"/>
               <a:pPr/>
-              <a:t>2019-02-03</a:t>
+              <a:t>2019-02-06</a:t>
             </a:fld>
             <a:endParaRPr lang="ko-KR" altLang="en-US"/>
           </a:p>
@@ -1080,7 +1080,7 @@
             <a:fld id="{A0404D26-9F52-4BDC-BF0C-6D058CC4650D}" type="datetimeFigureOut">
               <a:rPr lang="ko-KR" altLang="en-US" smtClean="0"/>
               <a:pPr/>
-              <a:t>2019-02-03</a:t>
+              <a:t>2019-02-06</a:t>
             </a:fld>
             <a:endParaRPr lang="ko-KR" altLang="en-US"/>
           </a:p>
@@ -1247,7 +1247,7 @@
             <a:fld id="{A0404D26-9F52-4BDC-BF0C-6D058CC4650D}" type="datetimeFigureOut">
               <a:rPr lang="ko-KR" altLang="en-US" smtClean="0"/>
               <a:pPr/>
-              <a:t>2019-02-03</a:t>
+              <a:t>2019-02-06</a:t>
             </a:fld>
             <a:endParaRPr lang="ko-KR" altLang="en-US"/>
           </a:p>
@@ -1424,7 +1424,7 @@
             <a:fld id="{A0404D26-9F52-4BDC-BF0C-6D058CC4650D}" type="datetimeFigureOut">
               <a:rPr lang="ko-KR" altLang="en-US" smtClean="0"/>
               <a:pPr/>
-              <a:t>2019-02-03</a:t>
+              <a:t>2019-02-06</a:t>
             </a:fld>
             <a:endParaRPr lang="ko-KR" altLang="en-US"/>
           </a:p>
@@ -1591,7 +1591,7 @@
             <a:fld id="{A0404D26-9F52-4BDC-BF0C-6D058CC4650D}" type="datetimeFigureOut">
               <a:rPr lang="ko-KR" altLang="en-US" smtClean="0"/>
               <a:pPr/>
-              <a:t>2019-02-03</a:t>
+              <a:t>2019-02-06</a:t>
             </a:fld>
             <a:endParaRPr lang="ko-KR" altLang="en-US"/>
           </a:p>
@@ -1834,7 +1834,7 @@
             <a:fld id="{A0404D26-9F52-4BDC-BF0C-6D058CC4650D}" type="datetimeFigureOut">
               <a:rPr lang="ko-KR" altLang="en-US" smtClean="0"/>
               <a:pPr/>
-              <a:t>2019-02-03</a:t>
+              <a:t>2019-02-06</a:t>
             </a:fld>
             <a:endParaRPr lang="ko-KR" altLang="en-US"/>
           </a:p>
@@ -2119,7 +2119,7 @@
             <a:fld id="{A0404D26-9F52-4BDC-BF0C-6D058CC4650D}" type="datetimeFigureOut">
               <a:rPr lang="ko-KR" altLang="en-US" smtClean="0"/>
               <a:pPr/>
-              <a:t>2019-02-03</a:t>
+              <a:t>2019-02-06</a:t>
             </a:fld>
             <a:endParaRPr lang="ko-KR" altLang="en-US"/>
           </a:p>
@@ -2538,7 +2538,7 @@
             <a:fld id="{A0404D26-9F52-4BDC-BF0C-6D058CC4650D}" type="datetimeFigureOut">
               <a:rPr lang="ko-KR" altLang="en-US" smtClean="0"/>
               <a:pPr/>
-              <a:t>2019-02-03</a:t>
+              <a:t>2019-02-06</a:t>
             </a:fld>
             <a:endParaRPr lang="ko-KR" altLang="en-US"/>
           </a:p>
@@ -2653,7 +2653,7 @@
             <a:fld id="{A0404D26-9F52-4BDC-BF0C-6D058CC4650D}" type="datetimeFigureOut">
               <a:rPr lang="ko-KR" altLang="en-US" smtClean="0"/>
               <a:pPr/>
-              <a:t>2019-02-03</a:t>
+              <a:t>2019-02-06</a:t>
             </a:fld>
             <a:endParaRPr lang="ko-KR" altLang="en-US"/>
           </a:p>
@@ -2745,7 +2745,7 @@
             <a:fld id="{A0404D26-9F52-4BDC-BF0C-6D058CC4650D}" type="datetimeFigureOut">
               <a:rPr lang="ko-KR" altLang="en-US" smtClean="0"/>
               <a:pPr/>
-              <a:t>2019-02-03</a:t>
+              <a:t>2019-02-06</a:t>
             </a:fld>
             <a:endParaRPr lang="ko-KR" altLang="en-US"/>
           </a:p>
@@ -3019,7 +3019,7 @@
             <a:fld id="{A0404D26-9F52-4BDC-BF0C-6D058CC4650D}" type="datetimeFigureOut">
               <a:rPr lang="ko-KR" altLang="en-US" smtClean="0"/>
               <a:pPr/>
-              <a:t>2019-02-03</a:t>
+              <a:t>2019-02-06</a:t>
             </a:fld>
             <a:endParaRPr lang="ko-KR" altLang="en-US"/>
           </a:p>
@@ -3269,7 +3269,7 @@
             <a:fld id="{A0404D26-9F52-4BDC-BF0C-6D058CC4650D}" type="datetimeFigureOut">
               <a:rPr lang="ko-KR" altLang="en-US" smtClean="0"/>
               <a:pPr/>
-              <a:t>2019-02-03</a:t>
+              <a:t>2019-02-06</a:t>
             </a:fld>
             <a:endParaRPr lang="ko-KR" altLang="en-US"/>
           </a:p>
@@ -3479,7 +3479,7 @@
             <a:fld id="{A0404D26-9F52-4BDC-BF0C-6D058CC4650D}" type="datetimeFigureOut">
               <a:rPr lang="ko-KR" altLang="en-US" smtClean="0"/>
               <a:pPr/>
-              <a:t>2019-02-03</a:t>
+              <a:t>2019-02-06</a:t>
             </a:fld>
             <a:endParaRPr lang="ko-KR" altLang="en-US"/>
           </a:p>
@@ -6552,24 +6552,14 @@
           <a:p>
             <a:r>
               <a:rPr lang="en-US" altLang="ko-KR" sz="1100" smtClean="0"/>
-              <a:t>PMainRecord = </a:t>
-            </a:r>
+              <a:t>PMainRecord = TMainRecord</a:t>
+            </a:r>
+          </a:p>
+          <a:p>
             <a:r>
               <a:rPr lang="en-US" altLang="ko-KR" sz="1100" smtClean="0"/>
-              <a:t>TMainRecord</a:t>
-            </a:r>
-            <a:endParaRPr lang="en-US" altLang="ko-KR" sz="1100" smtClean="0"/>
-          </a:p>
-          <a:p>
-            <a:r>
-              <a:rPr lang="en-US" altLang="ko-KR" sz="1100" smtClean="0"/>
-              <a:t>PSubRecord = </a:t>
-            </a:r>
-            <a:r>
-              <a:rPr lang="en-US" altLang="ko-KR" sz="1100" smtClean="0"/>
-              <a:t>TSubRecord</a:t>
-            </a:r>
-            <a:endParaRPr lang="en-US" altLang="ko-KR" sz="1100" smtClean="0"/>
+              <a:t>PSubRecord = TSubRecord</a:t>
+            </a:r>
           </a:p>
         </p:txBody>
       </p:sp>
@@ -7267,17 +7257,8 @@
           <a:p>
             <a:r>
               <a:rPr lang="en-US" altLang="ko-KR" sz="1200" smtClean="0"/>
-              <a:t>aRIndex, aSubRIndex</a:t>
-            </a:r>
-            <a:r>
-              <a:rPr lang="en-US" altLang="ko-KR" sz="1200" smtClean="0"/>
-              <a:t>, i : </a:t>
-            </a:r>
-            <a:r>
-              <a:rPr lang="en-US" altLang="ko-KR" sz="1200" smtClean="0"/>
-              <a:t>Int</a:t>
-            </a:r>
-            <a:endParaRPr lang="en-US" altLang="ko-KR" sz="1200" smtClean="0"/>
+              <a:t>aRIndex, aSubRIndex, i : Int</a:t>
+            </a:r>
           </a:p>
         </p:txBody>
       </p:sp>
@@ -7377,15 +7358,7 @@
                   <a:schemeClr val="tx1"/>
                 </a:solidFill>
               </a:rPr>
-              <a:t>New(aMainRecord</a:t>
-            </a:r>
-            <a:r>
-              <a:rPr lang="en-US" altLang="ko-KR" sz="1200" smtClean="0">
-                <a:solidFill>
-                  <a:schemeClr val="tx1"/>
-                </a:solidFill>
-              </a:rPr>
-              <a:t>)</a:t>
+              <a:t>New(aMainRecord)</a:t>
             </a:r>
           </a:p>
           <a:p>
@@ -7398,11 +7371,6 @@
               </a:rPr>
               <a:t>ZeroMemory(aMainRecord, SizeOf(TMainRecord)</a:t>
             </a:r>
-            <a:endParaRPr lang="en-US" altLang="ko-KR" sz="1200" smtClean="0">
-              <a:solidFill>
-                <a:schemeClr val="tx1"/>
-              </a:solidFill>
-            </a:endParaRPr>
           </a:p>
           <a:p>
             <a:pPr algn="ctr"/>
@@ -7423,42 +7391,18 @@
                   <a:schemeClr val="tx1"/>
                 </a:solidFill>
               </a:rPr>
-              <a:t>aMainRecord.</a:t>
-            </a:r>
+              <a:t>aMainRecord.iKind = aCode[4]</a:t>
+            </a:r>
+          </a:p>
+          <a:p>
+            <a:pPr algn="ctr"/>
             <a:r>
               <a:rPr lang="en-US" altLang="ko-KR" sz="1200" smtClean="0">
                 <a:solidFill>
                   <a:schemeClr val="tx1"/>
                 </a:solidFill>
               </a:rPr>
-              <a:t>iKind </a:t>
-            </a:r>
-            <a:r>
-              <a:rPr lang="en-US" altLang="ko-KR" sz="1200" smtClean="0">
-                <a:solidFill>
-                  <a:schemeClr val="tx1"/>
-                </a:solidFill>
-              </a:rPr>
-              <a:t>= aCode[4]</a:t>
-            </a:r>
-          </a:p>
-          <a:p>
-            <a:pPr algn="ctr"/>
-            <a:r>
-              <a:rPr lang="en-US" altLang="ko-KR" sz="1200" smtClean="0">
-                <a:solidFill>
-                  <a:schemeClr val="tx1"/>
-                </a:solidFill>
-              </a:rPr>
-              <a:t>aMainRecord.iSubList </a:t>
-            </a:r>
-            <a:r>
-              <a:rPr lang="en-US" altLang="ko-KR" sz="1200" smtClean="0">
-                <a:solidFill>
-                  <a:schemeClr val="tx1"/>
-                </a:solidFill>
-              </a:rPr>
-              <a:t>= TList.Create</a:t>
+              <a:t>aMainRecord.iSubList = TList.Create</a:t>
             </a:r>
           </a:p>
         </p:txBody>
@@ -7506,15 +7450,7 @@
                   <a:schemeClr val="tx1"/>
                 </a:solidFill>
               </a:rPr>
-              <a:t>aSubRecord.iCode </a:t>
-            </a:r>
-            <a:r>
-              <a:rPr lang="en-US" altLang="ko-KR" sz="1200" smtClean="0">
-                <a:solidFill>
-                  <a:schemeClr val="tx1"/>
-                </a:solidFill>
-              </a:rPr>
-              <a:t>= aCode</a:t>
+              <a:t>aSubRecord.iCode = aCode</a:t>
             </a:r>
           </a:p>
         </p:txBody>
@@ -7631,69 +7567,19 @@
                   <a:schemeClr val="tx1"/>
                 </a:solidFill>
               </a:rPr>
-              <a:t>aMainRecord.iCurrSum </a:t>
-            </a:r>
+              <a:t>aMainRecord.iCurrSum = aMainRecord.iCurrSum+StrToFloat(aCurr)</a:t>
+            </a:r>
+          </a:p>
+          <a:p>
+            <a:pPr algn="ctr"/>
             <a:r>
               <a:rPr lang="en-US" altLang="ko-KR" sz="1200" smtClean="0">
                 <a:solidFill>
                   <a:schemeClr val="tx1"/>
                 </a:solidFill>
               </a:rPr>
-              <a:t>= </a:t>
-            </a:r>
-            <a:r>
-              <a:rPr lang="en-US" altLang="ko-KR" sz="1200" smtClean="0">
-                <a:solidFill>
-                  <a:schemeClr val="tx1"/>
-                </a:solidFill>
-              </a:rPr>
-              <a:t>aMainRecord.iCurrSum+StrToFloat(aCurr)</a:t>
-            </a:r>
-            <a:endParaRPr lang="en-US" altLang="ko-KR" sz="1200" smtClean="0">
-              <a:solidFill>
-                <a:schemeClr val="tx1"/>
-              </a:solidFill>
-            </a:endParaRPr>
-          </a:p>
-          <a:p>
-            <a:pPr algn="ctr"/>
-            <a:r>
-              <a:rPr lang="en-US" altLang="ko-KR" sz="1200" smtClean="0">
-                <a:solidFill>
-                  <a:schemeClr val="tx1"/>
-                </a:solidFill>
-              </a:rPr>
-              <a:t>aMainRecord.iCurrCount </a:t>
-            </a:r>
-            <a:r>
-              <a:rPr lang="en-US" altLang="ko-KR" sz="1200" smtClean="0">
-                <a:solidFill>
-                  <a:schemeClr val="tx1"/>
-                </a:solidFill>
-              </a:rPr>
-              <a:t>= </a:t>
-            </a:r>
-            <a:r>
-              <a:rPr lang="en-US" altLang="ko-KR" sz="1200" smtClean="0">
-                <a:solidFill>
-                  <a:schemeClr val="tx1"/>
-                </a:solidFill>
-              </a:rPr>
-              <a:t>aMainRecord.</a:t>
-            </a:r>
-            <a:r>
-              <a:rPr lang="en-US" altLang="ko-KR" sz="1200" smtClean="0">
-                <a:solidFill>
-                  <a:schemeClr val="tx1"/>
-                </a:solidFill>
-              </a:rPr>
-              <a:t>iCurrCount+1</a:t>
-            </a:r>
-            <a:endParaRPr lang="en-US" altLang="ko-KR" sz="1200" smtClean="0">
-              <a:solidFill>
-                <a:schemeClr val="tx1"/>
-              </a:solidFill>
-            </a:endParaRPr>
+              <a:t>aMainRecord.iCurrCount = aMainRecord.iCurrCount+1</a:t>
+            </a:r>
           </a:p>
         </p:txBody>
       </p:sp>
@@ -7751,23 +7637,7 @@
                   <a:schemeClr val="tx1"/>
                 </a:solidFill>
               </a:rPr>
-              <a:t>aSubRIndex = </a:t>
-            </a:r>
-            <a:r>
-              <a:rPr lang="en-US" altLang="ko-KR" sz="1200" smtClean="0">
-                <a:solidFill>
-                  <a:schemeClr val="tx1"/>
-                </a:solidFill>
-              </a:rPr>
-              <a:t>aMainRecord.iSubList.Add(aSubRecord</a:t>
-            </a:r>
-            <a:r>
-              <a:rPr lang="en-US" altLang="ko-KR" sz="1200" smtClean="0">
-                <a:solidFill>
-                  <a:schemeClr val="tx1"/>
-                </a:solidFill>
-              </a:rPr>
-              <a:t>)</a:t>
+              <a:t>aSubRIndex = aMainRecord.iSubList.Add(aSubRecord)</a:t>
             </a:r>
           </a:p>
         </p:txBody>
@@ -7815,69 +7685,19 @@
                   <a:schemeClr val="tx1"/>
                 </a:solidFill>
               </a:rPr>
-              <a:t>aSubRecord.iCurrSum </a:t>
-            </a:r>
+              <a:t>aSubRecord.iCurrSum = aSubRecord.iCurrSum+StrToFloat(aCurr)</a:t>
+            </a:r>
+          </a:p>
+          <a:p>
+            <a:pPr algn="ctr"/>
             <a:r>
               <a:rPr lang="en-US" altLang="ko-KR" sz="1200" smtClean="0">
                 <a:solidFill>
                   <a:schemeClr val="tx1"/>
                 </a:solidFill>
               </a:rPr>
-              <a:t>= </a:t>
-            </a:r>
-            <a:r>
-              <a:rPr lang="en-US" altLang="ko-KR" sz="1200" smtClean="0">
-                <a:solidFill>
-                  <a:schemeClr val="tx1"/>
-                </a:solidFill>
-              </a:rPr>
-              <a:t>aSubRecord.iCurrSum+StrToFloat(aCurr)</a:t>
-            </a:r>
-            <a:endParaRPr lang="en-US" altLang="ko-KR" sz="1200" smtClean="0">
-              <a:solidFill>
-                <a:schemeClr val="tx1"/>
-              </a:solidFill>
-            </a:endParaRPr>
-          </a:p>
-          <a:p>
-            <a:pPr algn="ctr"/>
-            <a:r>
-              <a:rPr lang="en-US" altLang="ko-KR" sz="1200" smtClean="0">
-                <a:solidFill>
-                  <a:schemeClr val="tx1"/>
-                </a:solidFill>
-              </a:rPr>
-              <a:t>aSubRecord.iCurrCount </a:t>
-            </a:r>
-            <a:r>
-              <a:rPr lang="en-US" altLang="ko-KR" sz="1200" smtClean="0">
-                <a:solidFill>
-                  <a:schemeClr val="tx1"/>
-                </a:solidFill>
-              </a:rPr>
-              <a:t>= </a:t>
-            </a:r>
-            <a:r>
-              <a:rPr lang="en-US" altLang="ko-KR" sz="1200" smtClean="0">
-                <a:solidFill>
-                  <a:schemeClr val="tx1"/>
-                </a:solidFill>
-              </a:rPr>
-              <a:t>aSubRecord.</a:t>
-            </a:r>
-            <a:r>
-              <a:rPr lang="en-US" altLang="ko-KR" sz="1200" smtClean="0">
-                <a:solidFill>
-                  <a:schemeClr val="tx1"/>
-                </a:solidFill>
-              </a:rPr>
-              <a:t>iCurrCount+1</a:t>
-            </a:r>
-            <a:endParaRPr lang="en-US" altLang="ko-KR" sz="1200" smtClean="0">
-              <a:solidFill>
-                <a:schemeClr val="tx1"/>
-              </a:solidFill>
-            </a:endParaRPr>
+              <a:t>aSubRecord.iCurrCount = aSubRecord.iCurrCount+1</a:t>
+            </a:r>
           </a:p>
         </p:txBody>
       </p:sp>
@@ -7926,11 +7746,6 @@
               </a:rPr>
               <a:t>ZeroMemory(aSubRecord, SizeOf(TSubRecord)</a:t>
             </a:r>
-            <a:endParaRPr lang="en-US" altLang="ko-KR" sz="1200" smtClean="0">
-              <a:solidFill>
-                <a:schemeClr val="tx1"/>
-              </a:solidFill>
-            </a:endParaRPr>
           </a:p>
         </p:txBody>
       </p:sp>
@@ -7977,21 +7792,8 @@
                   <a:schemeClr val="tx1"/>
                 </a:solidFill>
               </a:rPr>
-              <a:t>aSubRecord = </a:t>
-            </a:r>
-            <a:r>
-              <a:rPr lang="en-US" altLang="ko-KR" sz="1200" smtClean="0">
-                <a:solidFill>
-                  <a:schemeClr val="tx1"/>
-                </a:solidFill>
-              </a:rPr>
-              <a:t>aMainRecord.iSubList[aSubRindex];</a:t>
-            </a:r>
-            <a:endParaRPr lang="en-US" altLang="ko-KR" sz="1200" smtClean="0">
-              <a:solidFill>
-                <a:schemeClr val="tx1"/>
-              </a:solidFill>
-            </a:endParaRPr>
+              <a:t>aSubRecord = aMainRecord.iSubList[aSubRindex];</a:t>
+            </a:r>
           </a:p>
         </p:txBody>
       </p:sp>
@@ -8459,23 +8261,7 @@
                   <a:schemeClr val="tx1"/>
                 </a:solidFill>
               </a:rPr>
-              <a:t>i =0  , </a:t>
-            </a:r>
-            <a:r>
-              <a:rPr lang="en-US" altLang="ko-KR" sz="1000" smtClean="0">
-                <a:solidFill>
-                  <a:schemeClr val="tx1"/>
-                </a:solidFill>
-              </a:rPr>
-              <a:t>fMainList.Count - 1. </a:t>
-            </a:r>
-            <a:r>
-              <a:rPr lang="en-US" altLang="ko-KR" sz="1000" smtClean="0">
-                <a:solidFill>
-                  <a:schemeClr val="tx1"/>
-                </a:solidFill>
-              </a:rPr>
-              <a:t>1 </a:t>
+              <a:t>i =0  , fMainList.Count - 1. 1 </a:t>
             </a:r>
           </a:p>
         </p:txBody>
@@ -8721,15 +8507,7 @@
                   <a:schemeClr val="tx1"/>
                 </a:solidFill>
               </a:rPr>
-              <a:t>aMainRecord.iKind </a:t>
-            </a:r>
-            <a:r>
-              <a:rPr lang="en-US" altLang="ko-KR" sz="1000" smtClean="0">
-                <a:solidFill>
-                  <a:schemeClr val="tx1"/>
-                </a:solidFill>
-              </a:rPr>
-              <a:t>= aCode[4]</a:t>
+              <a:t>aMainRecord.iKind = aCode[4]</a:t>
             </a:r>
             <a:endParaRPr lang="ko-KR" altLang="en-US" sz="1000" dirty="0">
               <a:solidFill>
@@ -9172,29 +8950,8 @@
                   <a:schemeClr val="tx1"/>
                 </a:solidFill>
               </a:rPr>
-              <a:t>i = 0</a:t>
-            </a:r>
-            <a:r>
-              <a:rPr lang="en-US" altLang="ko-KR" sz="1000" smtClean="0">
-                <a:solidFill>
-                  <a:schemeClr val="tx1"/>
-                </a:solidFill>
-              </a:rPr>
-              <a:t>, </a:t>
-            </a:r>
-            <a:r>
-              <a:rPr lang="en-US" altLang="ko-KR" sz="1000" smtClean="0">
-                <a:solidFill>
-                  <a:schemeClr val="tx1"/>
-                </a:solidFill>
-              </a:rPr>
-              <a:t>aMainRecord.iSubList.Count - 1, 1</a:t>
-            </a:r>
-            <a:endParaRPr lang="en-US" altLang="ko-KR" sz="1000" smtClean="0">
-              <a:solidFill>
-                <a:schemeClr val="tx1"/>
-              </a:solidFill>
-            </a:endParaRPr>
+              <a:t>i = 0, aMainRecord.iSubList.Count - 1, 1</a:t>
+            </a:r>
           </a:p>
         </p:txBody>
       </p:sp>
@@ -9415,21 +9172,8 @@
                   <a:schemeClr val="tx1"/>
                 </a:solidFill>
               </a:rPr>
-              <a:t>aSubRecord.i</a:t>
-            </a:r>
-            <a:r>
-              <a:rPr lang="en-US" altLang="ko-KR" sz="1000" smtClean="0">
-                <a:solidFill>
-                  <a:schemeClr val="tx1"/>
-                </a:solidFill>
-              </a:rPr>
-              <a:t>Code </a:t>
-            </a:r>
-            <a:endParaRPr lang="en-US" altLang="ko-KR" sz="1000" smtClean="0">
-              <a:solidFill>
-                <a:schemeClr val="tx1"/>
-              </a:solidFill>
-            </a:endParaRPr>
+              <a:t>aSubRecord.iCode </a:t>
+            </a:r>
           </a:p>
           <a:p>
             <a:pPr algn="ctr"/>
@@ -9979,24 +9723,14 @@
           <a:p>
             <a:r>
               <a:rPr lang="en-US" altLang="ko-KR" sz="1100" smtClean="0"/>
-              <a:t>PMainRecord = </a:t>
-            </a:r>
+              <a:t>PMainRecord = TMainRecord</a:t>
+            </a:r>
+          </a:p>
+          <a:p>
             <a:r>
               <a:rPr lang="en-US" altLang="ko-KR" sz="1100" smtClean="0"/>
-              <a:t>TMainRecord</a:t>
-            </a:r>
-            <a:endParaRPr lang="en-US" altLang="ko-KR" sz="1100" smtClean="0"/>
-          </a:p>
-          <a:p>
-            <a:r>
-              <a:rPr lang="en-US" altLang="ko-KR" sz="1100" smtClean="0"/>
-              <a:t>PSubRecord </a:t>
-            </a:r>
-            <a:r>
-              <a:rPr lang="en-US" altLang="ko-KR" sz="1100" smtClean="0"/>
-              <a:t>= TSubRecord</a:t>
-            </a:r>
-            <a:endParaRPr lang="en-US" altLang="ko-KR" sz="1100" smtClean="0"/>
+              <a:t>PSubRecord = TSubRecord</a:t>
+            </a:r>
           </a:p>
         </p:txBody>
       </p:sp>
@@ -10145,11 +9879,6 @@
               </a:rPr>
               <a:t>aMainRecord = fMainList[i]</a:t>
             </a:r>
-            <a:endParaRPr lang="en-US" altLang="ko-KR" sz="1200" smtClean="0">
-              <a:solidFill>
-                <a:schemeClr val="tx1"/>
-              </a:solidFill>
-            </a:endParaRPr>
           </a:p>
         </p:txBody>
       </p:sp>
@@ -10268,21 +9997,8 @@
                   <a:schemeClr val="tx1"/>
                 </a:solidFill>
               </a:rPr>
-              <a:t>aMainRecord = </a:t>
-            </a:r>
-            <a:r>
-              <a:rPr lang="en-US" altLang="ko-KR" sz="1200" smtClean="0">
-                <a:solidFill>
-                  <a:schemeClr val="tx1"/>
-                </a:solidFill>
-              </a:rPr>
-              <a:t>fMainList[aRIndex];</a:t>
-            </a:r>
-            <a:endParaRPr lang="en-US" altLang="ko-KR" sz="1200" smtClean="0">
-              <a:solidFill>
-                <a:schemeClr val="tx1"/>
-              </a:solidFill>
-            </a:endParaRPr>
+              <a:t>aMainRecord = fMainList[aRIndex];</a:t>
+            </a:r>
           </a:p>
         </p:txBody>
       </p:sp>
@@ -10403,11 +10119,6 @@
               </a:rPr>
               <a:t>aSubRecord = fMainList[aRIndex];</a:t>
             </a:r>
-            <a:endParaRPr lang="en-US" altLang="ko-KR" sz="1200" smtClean="0">
-              <a:solidFill>
-                <a:schemeClr val="tx1"/>
-              </a:solidFill>
-            </a:endParaRPr>
           </a:p>
         </p:txBody>
       </p:sp>
@@ -10798,24 +10509,14 @@
           <a:p>
             <a:r>
               <a:rPr lang="en-US" altLang="ko-KR" sz="1100" smtClean="0"/>
-              <a:t>PMainRecord = </a:t>
-            </a:r>
+              <a:t>PMainRecord = TMainRecord</a:t>
+            </a:r>
+          </a:p>
+          <a:p>
             <a:r>
               <a:rPr lang="en-US" altLang="ko-KR" sz="1100" smtClean="0"/>
-              <a:t>TMainRecord</a:t>
-            </a:r>
-            <a:endParaRPr lang="en-US" altLang="ko-KR" sz="1100" smtClean="0"/>
-          </a:p>
-          <a:p>
-            <a:r>
-              <a:rPr lang="en-US" altLang="ko-KR" sz="1100" smtClean="0"/>
-              <a:t>PSubRecord = </a:t>
-            </a:r>
-            <a:r>
-              <a:rPr lang="en-US" altLang="ko-KR" sz="1100" smtClean="0"/>
-              <a:t>TSubRecord</a:t>
-            </a:r>
-            <a:endParaRPr lang="en-US" altLang="ko-KR" sz="1100" smtClean="0"/>
+              <a:t>PSubRecord = TSubRecord</a:t>
+            </a:r>
           </a:p>
         </p:txBody>
       </p:sp>
@@ -10890,13 +10591,8 @@
           <a:p>
             <a:r>
               <a:rPr lang="en-US" altLang="ko-KR" sz="1100" smtClean="0"/>
-              <a:t>iCurrCount : </a:t>
-            </a:r>
-            <a:r>
-              <a:rPr lang="en-US" altLang="ko-KR" sz="1100" smtClean="0"/>
-              <a:t>Int</a:t>
-            </a:r>
-            <a:endParaRPr lang="en-US" altLang="ko-KR" sz="1100" smtClean="0"/>
+              <a:t>iCurrCount : Int</a:t>
+            </a:r>
           </a:p>
           <a:p>
             <a:r>
@@ -10913,13 +10609,8 @@
           <a:p>
             <a:r>
               <a:rPr lang="en-US" altLang="ko-KR" sz="1100" smtClean="0"/>
-              <a:t>iMmCount : </a:t>
-            </a:r>
-            <a:r>
-              <a:rPr lang="en-US" altLang="ko-KR" sz="1100" smtClean="0"/>
-              <a:t>Int</a:t>
-            </a:r>
-            <a:endParaRPr lang="en-US" altLang="ko-KR" sz="1100" smtClean="0"/>
+              <a:t>iMmCount : Int</a:t>
+            </a:r>
           </a:p>
           <a:p>
             <a:r>
@@ -10965,21 +10656,8 @@
           <a:p>
             <a:r>
               <a:rPr lang="en-US" altLang="ko-KR" sz="1200" smtClean="0"/>
-              <a:t>aRIndex, </a:t>
-            </a:r>
-            <a:r>
-              <a:rPr lang="en-US" altLang="ko-KR" sz="1200" smtClean="0"/>
-              <a:t>aSubRIndex, i </a:t>
-            </a:r>
-            <a:r>
-              <a:rPr lang="en-US" altLang="ko-KR" sz="1200" smtClean="0"/>
-              <a:t>: </a:t>
-            </a:r>
-            <a:r>
-              <a:rPr lang="en-US" altLang="ko-KR" sz="1200" smtClean="0"/>
-              <a:t>Int</a:t>
-            </a:r>
-            <a:endParaRPr lang="en-US" altLang="ko-KR" sz="1200" smtClean="0"/>
+              <a:t>aRIndex, aSubRIndex, i : Int</a:t>
+            </a:r>
           </a:p>
         </p:txBody>
       </p:sp>
@@ -11090,15 +10768,7 @@
                   <a:schemeClr val="tx1"/>
                 </a:solidFill>
               </a:rPr>
-              <a:t>aRIndex = fMainList.Add(aMainRecord</a:t>
-            </a:r>
-            <a:r>
-              <a:rPr lang="en-US" altLang="ko-KR" sz="1200" smtClean="0">
-                <a:solidFill>
-                  <a:schemeClr val="tx1"/>
-                </a:solidFill>
-              </a:rPr>
-              <a:t>)</a:t>
+              <a:t>aRIndex = fMainList.Add(aMainRecord)</a:t>
             </a:r>
           </a:p>
           <a:p>
@@ -11111,11 +10781,6 @@
               </a:rPr>
               <a:t>ZeroMemory(aMainRecord,SizeOf(TMainRecord))</a:t>
             </a:r>
-            <a:endParaRPr lang="en-US" altLang="ko-KR" sz="1200" smtClean="0">
-              <a:solidFill>
-                <a:schemeClr val="tx1"/>
-              </a:solidFill>
-            </a:endParaRPr>
           </a:p>
           <a:p>
             <a:pPr algn="ctr"/>
@@ -11125,34 +10790,18 @@
                   <a:schemeClr val="tx1"/>
                 </a:solidFill>
               </a:rPr>
-              <a:t>aMainRecord.iKind </a:t>
-            </a:r>
+              <a:t>aMainRecord.iKind = aCode[4]</a:t>
+            </a:r>
+          </a:p>
+          <a:p>
+            <a:pPr algn="ctr"/>
             <a:r>
               <a:rPr lang="en-US" altLang="ko-KR" sz="1200" smtClean="0">
                 <a:solidFill>
                   <a:schemeClr val="tx1"/>
                 </a:solidFill>
               </a:rPr>
-              <a:t>= aCode[4]</a:t>
-            </a:r>
-          </a:p>
-          <a:p>
-            <a:pPr algn="ctr"/>
-            <a:r>
-              <a:rPr lang="en-US" altLang="ko-KR" sz="1200" smtClean="0">
-                <a:solidFill>
-                  <a:schemeClr val="tx1"/>
-                </a:solidFill>
-              </a:rPr>
-              <a:t>aMainRecord.iSubList </a:t>
-            </a:r>
-            <a:r>
-              <a:rPr lang="en-US" altLang="ko-KR" sz="1200" smtClean="0">
-                <a:solidFill>
-                  <a:schemeClr val="tx1"/>
-                </a:solidFill>
-              </a:rPr>
-              <a:t>= TList.Create</a:t>
+              <a:t>aMainRecord.iSubList = TList.Create</a:t>
             </a:r>
           </a:p>
         </p:txBody>
@@ -11200,15 +10849,7 @@
                   <a:schemeClr val="tx1"/>
                 </a:solidFill>
               </a:rPr>
-              <a:t>aSubRecord.iCode </a:t>
-            </a:r>
-            <a:r>
-              <a:rPr lang="en-US" altLang="ko-KR" sz="1200" smtClean="0">
-                <a:solidFill>
-                  <a:schemeClr val="tx1"/>
-                </a:solidFill>
-              </a:rPr>
-              <a:t>= aCode</a:t>
+              <a:t>aSubRecord.iCode = aCode</a:t>
             </a:r>
           </a:p>
         </p:txBody>
@@ -11333,23 +10974,7 @@
                   <a:schemeClr val="tx1"/>
                 </a:solidFill>
               </a:rPr>
-              <a:t>aSubRIndex = </a:t>
-            </a:r>
-            <a:r>
-              <a:rPr lang="en-US" altLang="ko-KR" sz="1200" smtClean="0">
-                <a:solidFill>
-                  <a:schemeClr val="tx1"/>
-                </a:solidFill>
-              </a:rPr>
-              <a:t>aMainRecord.iSubList.Add(aSubRecord</a:t>
-            </a:r>
-            <a:r>
-              <a:rPr lang="en-US" altLang="ko-KR" sz="1200" smtClean="0">
-                <a:solidFill>
-                  <a:schemeClr val="tx1"/>
-                </a:solidFill>
-              </a:rPr>
-              <a:t>)</a:t>
+              <a:t>aSubRIndex = aMainRecord.iSubList.Add(aSubRecord)</a:t>
             </a:r>
           </a:p>
         </p:txBody>
@@ -11399,11 +11024,6 @@
               </a:rPr>
               <a:t>ZeroMemory(aSubRecord, SizeOf(TSubRecord))</a:t>
             </a:r>
-            <a:endParaRPr lang="en-US" altLang="ko-KR" sz="1200" smtClean="0">
-              <a:solidFill>
-                <a:schemeClr val="tx1"/>
-              </a:solidFill>
-            </a:endParaRPr>
           </a:p>
         </p:txBody>
       </p:sp>
@@ -11450,29 +11070,8 @@
                   <a:schemeClr val="tx1"/>
                 </a:solidFill>
               </a:rPr>
-              <a:t>aSubRecord </a:t>
-            </a:r>
-            <a:r>
-              <a:rPr lang="en-US" altLang="ko-KR" sz="1200" smtClean="0">
-                <a:solidFill>
-                  <a:schemeClr val="tx1"/>
-                </a:solidFill>
-              </a:rPr>
-              <a:t>= </a:t>
-            </a:r>
-            <a:r>
-              <a:rPr lang="en-US" altLang="ko-KR" sz="1200" smtClean="0">
-                <a:solidFill>
-                  <a:schemeClr val="tx1"/>
-                </a:solidFill>
-              </a:rPr>
-              <a:t>aMainRecord.iSubList[aSubRindex]</a:t>
-            </a:r>
-            <a:endParaRPr lang="en-US" altLang="ko-KR" sz="1200" smtClean="0">
-              <a:solidFill>
-                <a:schemeClr val="tx1"/>
-              </a:solidFill>
-            </a:endParaRPr>
+              <a:t>aSubRecord = aMainRecord.iSubList[aSubRindex]</a:t>
+            </a:r>
           </a:p>
         </p:txBody>
       </p:sp>
@@ -11941,23 +11540,7 @@
                   <a:schemeClr val="tx1"/>
                 </a:solidFill>
               </a:rPr>
-              <a:t>i =0  , </a:t>
-            </a:r>
-            <a:r>
-              <a:rPr lang="en-US" altLang="ko-KR" sz="1000" smtClean="0">
-                <a:solidFill>
-                  <a:schemeClr val="tx1"/>
-                </a:solidFill>
-              </a:rPr>
-              <a:t>fMainList.Count. - 1 </a:t>
-            </a:r>
-            <a:r>
-              <a:rPr lang="en-US" altLang="ko-KR" sz="1000" smtClean="0">
-                <a:solidFill>
-                  <a:schemeClr val="tx1"/>
-                </a:solidFill>
-              </a:rPr>
-              <a:t>1 </a:t>
+              <a:t>i =0  , fMainList.Count. - 1 1 </a:t>
             </a:r>
           </a:p>
         </p:txBody>
@@ -12144,23 +11727,7 @@
                   <a:schemeClr val="tx1"/>
                 </a:solidFill>
               </a:rPr>
-              <a:t>aMainRecord.</a:t>
-            </a:r>
-            <a:r>
-              <a:rPr lang="en-US" altLang="ko-KR" sz="1000" smtClean="0">
-                <a:solidFill>
-                  <a:schemeClr val="tx1"/>
-                </a:solidFill>
-              </a:rPr>
-              <a:t>iKind </a:t>
-            </a:r>
-            <a:r>
-              <a:rPr lang="en-US" altLang="ko-KR" sz="1000" smtClean="0">
-                <a:solidFill>
-                  <a:schemeClr val="tx1"/>
-                </a:solidFill>
-              </a:rPr>
-              <a:t>= aCode[4]</a:t>
+              <a:t>aMainRecord.iKind = aCode[4]</a:t>
             </a:r>
             <a:endParaRPr lang="ko-KR" altLang="en-US" sz="1000" dirty="0">
               <a:solidFill>
@@ -12600,23 +12167,7 @@
                   <a:schemeClr val="tx1"/>
                 </a:solidFill>
               </a:rPr>
-              <a:t>i =0  , </a:t>
-            </a:r>
-            <a:r>
-              <a:rPr lang="en-US" altLang="ko-KR" sz="1000" smtClean="0">
-                <a:solidFill>
-                  <a:schemeClr val="tx1"/>
-                </a:solidFill>
-              </a:rPr>
-              <a:t>aMainRecord.iSubList.Count - 1 , </a:t>
-            </a:r>
-            <a:r>
-              <a:rPr lang="en-US" altLang="ko-KR" sz="1000" smtClean="0">
-                <a:solidFill>
-                  <a:schemeClr val="tx1"/>
-                </a:solidFill>
-              </a:rPr>
-              <a:t>1 </a:t>
+              <a:t>i =0  , aMainRecord.iSubList.Count - 1 , 1 </a:t>
             </a:r>
           </a:p>
         </p:txBody>
@@ -12805,11 +12356,6 @@
               </a:rPr>
               <a:t>aSubRecord.iCode </a:t>
             </a:r>
-            <a:endParaRPr lang="en-US" altLang="ko-KR" sz="1000" smtClean="0">
-              <a:solidFill>
-                <a:schemeClr val="tx1"/>
-              </a:solidFill>
-            </a:endParaRPr>
           </a:p>
           <a:p>
             <a:pPr algn="ctr"/>
@@ -13360,93 +12906,30 @@
                   <a:schemeClr val="tx1"/>
                 </a:solidFill>
               </a:rPr>
-              <a:t>aSubRecordiMsSum </a:t>
-            </a:r>
+              <a:t>aSubRecordiMsSum = aSubRecord.iMsSum+StrToFloat(aMs)</a:t>
+            </a:r>
+          </a:p>
+          <a:p>
+            <a:pPr algn="ctr"/>
             <a:r>
               <a:rPr lang="en-US" altLang="ko-KR" sz="1200" smtClean="0">
                 <a:solidFill>
                   <a:schemeClr val="tx1"/>
                 </a:solidFill>
               </a:rPr>
-              <a:t>= </a:t>
-            </a:r>
+              <a:t>aSubRecordfMdSum = aSubRecord.fMdSum+StrToFloat(aMd)</a:t>
+            </a:r>
+          </a:p>
+          <a:p>
+            <a:pPr algn="ctr"/>
             <a:r>
               <a:rPr lang="en-US" altLang="ko-KR" sz="1200" smtClean="0">
                 <a:solidFill>
                   <a:schemeClr val="tx1"/>
                 </a:solidFill>
               </a:rPr>
-              <a:t>aSubRecord.iMsSum+StrToFloat(aMs)</a:t>
-            </a:r>
-            <a:endParaRPr lang="en-US" altLang="ko-KR" sz="1200" smtClean="0">
-              <a:solidFill>
-                <a:schemeClr val="tx1"/>
-              </a:solidFill>
-            </a:endParaRPr>
-          </a:p>
-          <a:p>
-            <a:pPr algn="ctr"/>
-            <a:r>
-              <a:rPr lang="en-US" altLang="ko-KR" sz="1200" smtClean="0">
-                <a:solidFill>
-                  <a:schemeClr val="tx1"/>
-                </a:solidFill>
-              </a:rPr>
-              <a:t>aSubRecordfMdSum </a:t>
-            </a:r>
-            <a:r>
-              <a:rPr lang="en-US" altLang="ko-KR" sz="1200" smtClean="0">
-                <a:solidFill>
-                  <a:schemeClr val="tx1"/>
-                </a:solidFill>
-              </a:rPr>
-              <a:t>= </a:t>
-            </a:r>
-            <a:r>
-              <a:rPr lang="en-US" altLang="ko-KR" sz="1200" smtClean="0">
-                <a:solidFill>
-                  <a:schemeClr val="tx1"/>
-                </a:solidFill>
-              </a:rPr>
-              <a:t>aSubRecord.fMdSum+StrToFloat(aMd)</a:t>
-            </a:r>
-            <a:endParaRPr lang="en-US" altLang="ko-KR" sz="1200" smtClean="0">
-              <a:solidFill>
-                <a:schemeClr val="tx1"/>
-              </a:solidFill>
-            </a:endParaRPr>
-          </a:p>
-          <a:p>
-            <a:pPr algn="ctr"/>
-            <a:r>
-              <a:rPr lang="en-US" altLang="ko-KR" sz="1200" smtClean="0">
-                <a:solidFill>
-                  <a:schemeClr val="tx1"/>
-                </a:solidFill>
-              </a:rPr>
-              <a:t>aSubRecordiMmCount </a:t>
-            </a:r>
-            <a:r>
-              <a:rPr lang="en-US" altLang="ko-KR" sz="1200" smtClean="0">
-                <a:solidFill>
-                  <a:schemeClr val="tx1"/>
-                </a:solidFill>
-              </a:rPr>
-              <a:t>= </a:t>
-            </a:r>
-            <a:r>
-              <a:rPr lang="en-US" altLang="ko-KR" sz="1200" smtClean="0">
-                <a:solidFill>
-                  <a:schemeClr val="tx1"/>
-                </a:solidFill>
-              </a:rPr>
-              <a:t>aSubRecord.iMmCount+1</a:t>
-            </a:r>
-            <a:endParaRPr lang="en-US" altLang="ko-KR" sz="1200" smtClean="0">
-              <a:solidFill>
-                <a:schemeClr val="tx1"/>
-              </a:solidFill>
-            </a:endParaRPr>
+              <a:t>aSubRecordiMmCount = aSubRecord.iMmCount+1</a:t>
+            </a:r>
           </a:p>
         </p:txBody>
       </p:sp>
@@ -13493,21 +12976,8 @@
                   <a:schemeClr val="tx1"/>
                 </a:solidFill>
               </a:rPr>
-              <a:t>aMainRecord = </a:t>
-            </a:r>
-            <a:r>
-              <a:rPr lang="en-US" altLang="ko-KR" sz="1200" smtClean="0">
-                <a:solidFill>
-                  <a:schemeClr val="tx1"/>
-                </a:solidFill>
-              </a:rPr>
-              <a:t>fMainList[i]</a:t>
-            </a:r>
-            <a:endParaRPr lang="en-US" altLang="ko-KR" sz="1200" smtClean="0">
-              <a:solidFill>
-                <a:schemeClr val="tx1"/>
-              </a:solidFill>
-            </a:endParaRPr>
+              <a:t>aMainRecord = fMainList[i]</a:t>
+            </a:r>
           </a:p>
         </p:txBody>
       </p:sp>
@@ -13626,29 +13096,8 @@
                   <a:schemeClr val="tx1"/>
                 </a:solidFill>
               </a:rPr>
-              <a:t>aMainRecord </a:t>
-            </a:r>
-            <a:r>
-              <a:rPr lang="en-US" altLang="ko-KR" sz="1200" smtClean="0">
-                <a:solidFill>
-                  <a:schemeClr val="tx1"/>
-                </a:solidFill>
-              </a:rPr>
-              <a:t>= </a:t>
-            </a:r>
-            <a:r>
-              <a:rPr lang="en-US" altLang="ko-KR" sz="1200" smtClean="0">
-                <a:solidFill>
-                  <a:schemeClr val="tx1"/>
-                </a:solidFill>
-              </a:rPr>
-              <a:t>fMainList[aRIndex]</a:t>
-            </a:r>
-            <a:endParaRPr lang="en-US" altLang="ko-KR" sz="1200" smtClean="0">
-              <a:solidFill>
-                <a:schemeClr val="tx1"/>
-              </a:solidFill>
-            </a:endParaRPr>
+              <a:t>aMainRecord = fMainList[aRIndex]</a:t>
+            </a:r>
           </a:p>
         </p:txBody>
       </p:sp>
@@ -13767,37 +13216,8 @@
                   <a:schemeClr val="tx1"/>
                 </a:solidFill>
               </a:rPr>
-              <a:t>aSubRecord </a:t>
-            </a:r>
-            <a:r>
-              <a:rPr lang="en-US" altLang="ko-KR" sz="1200" smtClean="0">
-                <a:solidFill>
-                  <a:schemeClr val="tx1"/>
-                </a:solidFill>
-              </a:rPr>
-              <a:t>=</a:t>
-            </a:r>
-            <a:r>
-              <a:rPr lang="en-US" altLang="ko-KR" sz="1200" smtClean="0">
-                <a:solidFill>
-                  <a:schemeClr val="tx1"/>
-                </a:solidFill>
-              </a:rPr>
-              <a:t>aMainRecord.iSubList[i</a:t>
-            </a:r>
-            <a:r>
-              <a:rPr lang="en-US" altLang="ko-KR" sz="1200" smtClean="0">
-                <a:solidFill>
-                  <a:schemeClr val="tx1"/>
-                </a:solidFill>
-              </a:rPr>
-              <a:t>]</a:t>
-            </a:r>
-            <a:endParaRPr lang="en-US" altLang="ko-KR" sz="1200" smtClean="0">
-              <a:solidFill>
-                <a:schemeClr val="tx1"/>
-              </a:solidFill>
-            </a:endParaRPr>
+              <a:t>aSubRecord =aMainRecord.iSubList[i]</a:t>
+            </a:r>
           </a:p>
         </p:txBody>
       </p:sp>
@@ -14403,23 +13823,7 @@
                   <a:schemeClr val="tx1"/>
                 </a:solidFill>
               </a:rPr>
-              <a:t>i = 1 , </a:t>
-            </a:r>
-            <a:r>
-              <a:rPr lang="en-US" altLang="ko-KR" sz="1000" smtClean="0">
-                <a:solidFill>
-                  <a:schemeClr val="tx1"/>
-                </a:solidFill>
-              </a:rPr>
-              <a:t>fMainList.Count - 1 </a:t>
-            </a:r>
-            <a:r>
-              <a:rPr lang="en-US" altLang="ko-KR" sz="1000" smtClean="0">
-                <a:solidFill>
-                  <a:schemeClr val="tx1"/>
-                </a:solidFill>
-              </a:rPr>
-              <a:t>, 1 </a:t>
+              <a:t>i = 0 , fMainList.Count - 1 , 1 </a:t>
             </a:r>
           </a:p>
         </p:txBody>
@@ -14606,96 +14010,19 @@
                   <a:schemeClr val="tx1"/>
                 </a:solidFill>
               </a:rPr>
-              <a:t>StringGrid1.RowCount </a:t>
-            </a:r>
+              <a:t>StringGrid1.RowCount = StringGrid1.RowCount + 1</a:t>
+            </a:r>
+          </a:p>
+          <a:p>
+            <a:pPr algn="ctr"/>
             <a:r>
               <a:rPr lang="en-US" altLang="ko-KR" sz="1200" smtClean="0">
                 <a:solidFill>
                   <a:schemeClr val="tx1"/>
                 </a:solidFill>
               </a:rPr>
-              <a:t>= </a:t>
-            </a:r>
-            <a:r>
-              <a:rPr lang="en-US" altLang="ko-KR" sz="1200" smtClean="0">
-                <a:solidFill>
-                  <a:schemeClr val="tx1"/>
-                </a:solidFill>
-              </a:rPr>
-              <a:t>StringGrid1.RowCount </a:t>
-            </a:r>
-            <a:r>
-              <a:rPr lang="en-US" altLang="ko-KR" sz="1200" smtClean="0">
-                <a:solidFill>
-                  <a:schemeClr val="tx1"/>
-                </a:solidFill>
-              </a:rPr>
-              <a:t>+ </a:t>
-            </a:r>
-            <a:r>
-              <a:rPr lang="en-US" altLang="ko-KR" sz="1200" smtClean="0">
-                <a:solidFill>
-                  <a:schemeClr val="tx1"/>
-                </a:solidFill>
-              </a:rPr>
-              <a:t>1</a:t>
-            </a:r>
-          </a:p>
-          <a:p>
-            <a:pPr algn="ctr"/>
-            <a:r>
-              <a:rPr lang="en-US" altLang="ko-KR" sz="1200" smtClean="0">
-                <a:solidFill>
-                  <a:schemeClr val="tx1"/>
-                </a:solidFill>
-              </a:rPr>
-              <a:t>StringGrid1.Cells[0, i + 1</a:t>
-            </a:r>
-            <a:r>
-              <a:rPr lang="en-US" altLang="ko-KR" sz="1200" smtClean="0">
-                <a:solidFill>
-                  <a:schemeClr val="tx1"/>
-                </a:solidFill>
-              </a:rPr>
-              <a:t>] </a:t>
-            </a:r>
-            <a:r>
-              <a:rPr lang="en-US" altLang="ko-KR" sz="1200" smtClean="0">
-                <a:solidFill>
-                  <a:schemeClr val="tx1"/>
-                </a:solidFill>
-              </a:rPr>
-              <a:t>= </a:t>
-            </a:r>
-            <a:r>
-              <a:rPr lang="en-US" altLang="ko-KR" sz="1200" smtClean="0">
-                <a:solidFill>
-                  <a:schemeClr val="tx1"/>
-                </a:solidFill>
-              </a:rPr>
-              <a:t>TMainRecord(fMainList[i</a:t>
-            </a:r>
-            <a:r>
-              <a:rPr lang="en-US" altLang="ko-KR" sz="1200" smtClean="0">
-                <a:solidFill>
-                  <a:schemeClr val="tx1"/>
-                </a:solidFill>
-              </a:rPr>
-              <a:t>]^).</a:t>
-            </a:r>
-            <a:r>
-              <a:rPr lang="en-US" altLang="ko-KR" sz="1200" smtClean="0">
-                <a:solidFill>
-                  <a:schemeClr val="tx1"/>
-                </a:solidFill>
-              </a:rPr>
-              <a:t>iKind</a:t>
-            </a:r>
-            <a:endParaRPr lang="en-US" altLang="ko-KR" sz="1200" smtClean="0">
-              <a:solidFill>
-                <a:schemeClr val="tx1"/>
-              </a:solidFill>
-            </a:endParaRPr>
+              <a:t>StringGrid1.Cells[0, i + 1] = TMainRecord(fMainList[i]^).iKind</a:t>
+            </a:r>
           </a:p>
         </p:txBody>
       </p:sp>
@@ -14839,15 +14166,7 @@
                     <a:schemeClr val="tx1"/>
                   </a:solidFill>
                 </a:rPr>
-                <a:t>JmDisplay(aKind</a:t>
-              </a:r>
-              <a:r>
-                <a:rPr lang="en-US" altLang="ko-KR" sz="1200" smtClean="0">
-                  <a:solidFill>
-                    <a:schemeClr val="tx1"/>
-                  </a:solidFill>
-                </a:rPr>
-                <a:t>)</a:t>
+                <a:t>JmDisplay(aKind)</a:t>
               </a:r>
               <a:endParaRPr lang="ko-KR" altLang="en-US" sz="1200">
                 <a:solidFill>
@@ -15137,23 +14456,7 @@
                   <a:schemeClr val="tx1"/>
                 </a:solidFill>
               </a:rPr>
-              <a:t>i = 1, </a:t>
-            </a:r>
-            <a:r>
-              <a:rPr lang="en-US" altLang="ko-KR" sz="1000" smtClean="0">
-                <a:solidFill>
-                  <a:schemeClr val="tx1"/>
-                </a:solidFill>
-              </a:rPr>
-              <a:t>aMainRecord.iSubList.Count - 1 </a:t>
-            </a:r>
-            <a:r>
-              <a:rPr lang="en-US" altLang="ko-KR" sz="1000" smtClean="0">
-                <a:solidFill>
-                  <a:schemeClr val="tx1"/>
-                </a:solidFill>
-              </a:rPr>
-              <a:t>, 1 </a:t>
+              <a:t>i = 0, aMainRecord.iSubList.Count - 1 , 1 </a:t>
             </a:r>
           </a:p>
         </p:txBody>
@@ -15386,13 +14689,8 @@
           <a:p>
             <a:r>
               <a:rPr lang="en-US" altLang="ko-KR" sz="1100" smtClean="0"/>
-              <a:t>aSubRecord : PSubRecord</a:t>
-            </a:r>
-            <a:r>
-              <a:rPr lang="en-US" altLang="ko-KR" sz="1100" smtClean="0"/>
-              <a:t> </a:t>
-            </a:r>
-            <a:endParaRPr lang="en-US" altLang="ko-KR" sz="1100" smtClean="0"/>
+              <a:t>aSubRecord : PSubRecord </a:t>
+            </a:r>
           </a:p>
         </p:txBody>
       </p:sp>
@@ -15439,29 +14737,8 @@
                   <a:schemeClr val="tx1"/>
                 </a:solidFill>
               </a:rPr>
-              <a:t>aMainRecord </a:t>
-            </a:r>
-            <a:r>
-              <a:rPr lang="en-US" altLang="ko-KR" sz="1200" smtClean="0">
-                <a:solidFill>
-                  <a:schemeClr val="tx1"/>
-                </a:solidFill>
-              </a:rPr>
-              <a:t>= </a:t>
-            </a:r>
-            <a:r>
-              <a:rPr lang="en-US" altLang="ko-KR" sz="1200" smtClean="0">
-                <a:solidFill>
-                  <a:schemeClr val="tx1"/>
-                </a:solidFill>
-              </a:rPr>
-              <a:t>fMainList[aIndex]</a:t>
-            </a:r>
-            <a:endParaRPr lang="en-US" altLang="ko-KR" sz="1200" smtClean="0">
-              <a:solidFill>
-                <a:schemeClr val="tx1"/>
-              </a:solidFill>
-            </a:endParaRPr>
+              <a:t>aMainRecord = fMainList[aIndex]</a:t>
+            </a:r>
           </a:p>
         </p:txBody>
       </p:sp>
@@ -15544,23 +14821,7 @@
                   <a:schemeClr val="tx1"/>
                 </a:solidFill>
               </a:rPr>
-              <a:t>i = 0, </a:t>
-            </a:r>
-            <a:r>
-              <a:rPr lang="en-US" altLang="ko-KR" sz="1200" smtClean="0">
-                <a:solidFill>
-                  <a:schemeClr val="tx1"/>
-                </a:solidFill>
-              </a:rPr>
-              <a:t>fMainList.Count - 1, </a:t>
-            </a:r>
-            <a:r>
-              <a:rPr lang="en-US" altLang="ko-KR" sz="1200" smtClean="0">
-                <a:solidFill>
-                  <a:schemeClr val="tx1"/>
-                </a:solidFill>
-              </a:rPr>
-              <a:t>1</a:t>
+              <a:t>i = 0, fMainList.Count - 1, 1</a:t>
             </a:r>
           </a:p>
         </p:txBody>
@@ -16022,24 +15283,14 @@
           <a:p>
             <a:r>
               <a:rPr lang="en-US" altLang="ko-KR" sz="1100" smtClean="0"/>
-              <a:t>PMainRecord = </a:t>
-            </a:r>
+              <a:t>PMainRecord = TMainRecord</a:t>
+            </a:r>
+          </a:p>
+          <a:p>
             <a:r>
               <a:rPr lang="en-US" altLang="ko-KR" sz="1100" smtClean="0"/>
-              <a:t>TMainRecord</a:t>
-            </a:r>
-            <a:endParaRPr lang="en-US" altLang="ko-KR" sz="1100" smtClean="0"/>
-          </a:p>
-          <a:p>
-            <a:r>
-              <a:rPr lang="en-US" altLang="ko-KR" sz="1100" smtClean="0"/>
-              <a:t>PSubRecord = </a:t>
-            </a:r>
-            <a:r>
-              <a:rPr lang="en-US" altLang="ko-KR" sz="1100" smtClean="0"/>
-              <a:t>TSubRecord</a:t>
-            </a:r>
-            <a:endParaRPr lang="en-US" altLang="ko-KR" sz="1100" smtClean="0"/>
+              <a:t>PSubRecord = TSubRecord</a:t>
+            </a:r>
           </a:p>
         </p:txBody>
       </p:sp>
@@ -16186,53 +15437,19 @@
                   <a:schemeClr val="tx1"/>
                 </a:solidFill>
               </a:rPr>
-              <a:t>StringGrid1.RowCount </a:t>
-            </a:r>
+              <a:t>StringGrid1.RowCount = 2</a:t>
+            </a:r>
+          </a:p>
+          <a:p>
+            <a:pPr algn="ctr"/>
             <a:r>
               <a:rPr lang="en-US" altLang="ko-KR" sz="1200" smtClean="0">
                 <a:solidFill>
                   <a:schemeClr val="tx1"/>
                 </a:solidFill>
               </a:rPr>
-              <a:t>= </a:t>
-            </a:r>
-            <a:r>
-              <a:rPr lang="en-US" altLang="ko-KR" sz="1200" smtClean="0">
-                <a:solidFill>
-                  <a:schemeClr val="tx1"/>
-                </a:solidFill>
-              </a:rPr>
-              <a:t>2</a:t>
-            </a:r>
-            <a:endParaRPr lang="en-US" altLang="ko-KR" sz="1200" smtClean="0">
-              <a:solidFill>
-                <a:schemeClr val="tx1"/>
-              </a:solidFill>
-            </a:endParaRPr>
-          </a:p>
-          <a:p>
-            <a:pPr algn="ctr"/>
-            <a:r>
-              <a:rPr lang="en-US" altLang="ko-KR" sz="1200" smtClean="0">
-                <a:solidFill>
-                  <a:schemeClr val="tx1"/>
-                </a:solidFill>
-              </a:rPr>
-              <a:t>StringGrid1.Rows[1</a:t>
-            </a:r>
-            <a:r>
-              <a:rPr lang="en-US" altLang="ko-KR" sz="1200" smtClean="0">
-                <a:solidFill>
-                  <a:schemeClr val="tx1"/>
-                </a:solidFill>
-              </a:rPr>
-              <a:t>].Clear</a:t>
-            </a:r>
-            <a:endParaRPr lang="en-US" altLang="ko-KR" sz="1200" smtClean="0">
-              <a:solidFill>
-                <a:schemeClr val="tx1"/>
-              </a:solidFill>
-            </a:endParaRPr>
+              <a:t>StringGrid1.Rows[1].Clear</a:t>
+            </a:r>
           </a:p>
         </p:txBody>
       </p:sp>
@@ -16397,61 +15614,8 @@
                   <a:schemeClr val="tx1"/>
                 </a:solidFill>
               </a:rPr>
-              <a:t>StringGrid1.Cells[1, i + 1</a:t>
-            </a:r>
-            <a:r>
-              <a:rPr lang="en-US" altLang="ko-KR" sz="1200" smtClean="0">
-                <a:solidFill>
-                  <a:schemeClr val="tx1"/>
-                </a:solidFill>
-              </a:rPr>
-              <a:t>] </a:t>
-            </a:r>
-            <a:r>
-              <a:rPr lang="en-US" altLang="ko-KR" sz="1200" smtClean="0">
-                <a:solidFill>
-                  <a:schemeClr val="tx1"/>
-                </a:solidFill>
-              </a:rPr>
-              <a:t>= </a:t>
-            </a:r>
-            <a:r>
-              <a:rPr lang="en-US" altLang="ko-KR" sz="1200" smtClean="0">
-                <a:solidFill>
-                  <a:schemeClr val="tx1"/>
-                </a:solidFill>
-              </a:rPr>
-              <a:t>FormatFloat('0</a:t>
-            </a:r>
-            <a:r>
-              <a:rPr lang="en-US" altLang="ko-KR" sz="1200" smtClean="0">
-                <a:solidFill>
-                  <a:schemeClr val="tx1"/>
-                </a:solidFill>
-              </a:rPr>
-              <a:t>.##',(</a:t>
-            </a:r>
-            <a:r>
-              <a:rPr lang="en-US" altLang="ko-KR" sz="1200" smtClean="0">
-                <a:solidFill>
-                  <a:schemeClr val="tx1"/>
-                </a:solidFill>
-              </a:rPr>
-              <a:t>TMainRecord(fMainLst[i</a:t>
-            </a:r>
-            <a:r>
-              <a:rPr lang="en-US" altLang="ko-KR" sz="1200" smtClean="0">
-                <a:solidFill>
-                  <a:schemeClr val="tx1"/>
-                </a:solidFill>
-              </a:rPr>
-              <a:t>]^).iCurrSum / TMainRecord(fMainList[i]^).iCurrCount / 100))</a:t>
-            </a:r>
-            <a:endParaRPr lang="en-US" altLang="ko-KR" sz="1200" smtClean="0">
-              <a:solidFill>
-                <a:schemeClr val="tx1"/>
-              </a:solidFill>
-            </a:endParaRPr>
+              <a:t>StringGrid1.Cells[1, i + 1] = FormatFloat('0.##',(TMainRecord(fMainLst[i]^).iCurrSum / TMainRecord(fMainList[i]^).iCurrCount / 100))</a:t>
+            </a:r>
           </a:p>
         </p:txBody>
       </p:sp>
@@ -16596,11 +15760,6 @@
               </a:rPr>
               <a:t>StringGrid1.Cells[1, i + 1] := '';</a:t>
             </a:r>
-            <a:endParaRPr lang="en-US" altLang="ko-KR" sz="1200" smtClean="0">
-              <a:solidFill>
-                <a:schemeClr val="tx1"/>
-              </a:solidFill>
-            </a:endParaRPr>
           </a:p>
         </p:txBody>
       </p:sp>
@@ -16647,29 +15806,8 @@
                   <a:schemeClr val="tx1"/>
                 </a:solidFill>
               </a:rPr>
-              <a:t>StringGrid1.RowCount </a:t>
-            </a:r>
-            <a:r>
-              <a:rPr lang="en-US" altLang="ko-KR" sz="1200" smtClean="0">
-                <a:solidFill>
-                  <a:schemeClr val="tx1"/>
-                </a:solidFill>
-              </a:rPr>
-              <a:t>= </a:t>
-            </a:r>
-            <a:r>
-              <a:rPr lang="en-US" altLang="ko-KR" sz="1200" smtClean="0">
-                <a:solidFill>
-                  <a:schemeClr val="tx1"/>
-                </a:solidFill>
-              </a:rPr>
-              <a:t>StringGrid1.RowCount - 1</a:t>
-            </a:r>
-            <a:endParaRPr lang="en-US" altLang="ko-KR" sz="1200" smtClean="0">
-              <a:solidFill>
-                <a:schemeClr val="tx1"/>
-              </a:solidFill>
-            </a:endParaRPr>
+              <a:t>StringGrid1.RowCount = StringGrid1.RowCount - 1</a:t>
+            </a:r>
           </a:p>
         </p:txBody>
       </p:sp>
@@ -16716,53 +15854,19 @@
                   <a:schemeClr val="tx1"/>
                 </a:solidFill>
               </a:rPr>
-              <a:t>StringGrid1.RowCount </a:t>
-            </a:r>
+              <a:t>StringGrid1.RowCount = 2</a:t>
+            </a:r>
+          </a:p>
+          <a:p>
+            <a:pPr algn="ctr"/>
             <a:r>
               <a:rPr lang="en-US" altLang="ko-KR" sz="1200" smtClean="0">
                 <a:solidFill>
                   <a:schemeClr val="tx1"/>
                 </a:solidFill>
               </a:rPr>
-              <a:t>= </a:t>
-            </a:r>
-            <a:r>
-              <a:rPr lang="en-US" altLang="ko-KR" sz="1200" smtClean="0">
-                <a:solidFill>
-                  <a:schemeClr val="tx1"/>
-                </a:solidFill>
-              </a:rPr>
-              <a:t>2</a:t>
-            </a:r>
-            <a:endParaRPr lang="en-US" altLang="ko-KR" sz="1200" smtClean="0">
-              <a:solidFill>
-                <a:schemeClr val="tx1"/>
-              </a:solidFill>
-            </a:endParaRPr>
-          </a:p>
-          <a:p>
-            <a:pPr algn="ctr"/>
-            <a:r>
-              <a:rPr lang="en-US" altLang="ko-KR" sz="1200" smtClean="0">
-                <a:solidFill>
-                  <a:schemeClr val="tx1"/>
-                </a:solidFill>
-              </a:rPr>
-              <a:t>StringGrid1.Rows[1</a:t>
-            </a:r>
-            <a:r>
-              <a:rPr lang="en-US" altLang="ko-KR" sz="1200" smtClean="0">
-                <a:solidFill>
-                  <a:schemeClr val="tx1"/>
-                </a:solidFill>
-              </a:rPr>
-              <a:t>].Clear</a:t>
-            </a:r>
-            <a:endParaRPr lang="en-US" altLang="ko-KR" sz="1200" smtClean="0">
-              <a:solidFill>
-                <a:schemeClr val="tx1"/>
-              </a:solidFill>
-            </a:endParaRPr>
+              <a:t>StringGrid1.Rows[1].Clear</a:t>
+            </a:r>
           </a:p>
         </p:txBody>
       </p:sp>
@@ -16845,85 +15949,19 @@
                   <a:schemeClr val="tx1"/>
                 </a:solidFill>
               </a:rPr>
-              <a:t>aSubRecord </a:t>
-            </a:r>
+              <a:t>aSubRecord = aMainRecord.iSubList[i]</a:t>
+            </a:r>
+          </a:p>
+          <a:p>
+            <a:pPr algn="ctr"/>
             <a:r>
               <a:rPr lang="en-US" altLang="ko-KR" sz="1200" smtClean="0">
                 <a:solidFill>
                   <a:schemeClr val="tx1"/>
                 </a:solidFill>
               </a:rPr>
-              <a:t>= </a:t>
-            </a:r>
-            <a:r>
-              <a:rPr lang="en-US" altLang="ko-KR" sz="1200" smtClean="0">
-                <a:solidFill>
-                  <a:schemeClr val="tx1"/>
-                </a:solidFill>
-              </a:rPr>
-              <a:t>aMainRecord.iSubList[i</a:t>
-            </a:r>
-            <a:r>
-              <a:rPr lang="en-US" altLang="ko-KR" sz="1200" smtClean="0">
-                <a:solidFill>
-                  <a:schemeClr val="tx1"/>
-                </a:solidFill>
-              </a:rPr>
-              <a:t>]</a:t>
-            </a:r>
-            <a:endParaRPr lang="en-US" altLang="ko-KR" sz="1200" smtClean="0">
-              <a:solidFill>
-                <a:schemeClr val="tx1"/>
-              </a:solidFill>
-            </a:endParaRPr>
-          </a:p>
-          <a:p>
-            <a:pPr algn="ctr"/>
-            <a:r>
-              <a:rPr lang="en-US" altLang="ko-KR" sz="1200" smtClean="0">
-                <a:solidFill>
-                  <a:schemeClr val="tx1"/>
-                </a:solidFill>
-              </a:rPr>
-              <a:t>    </a:t>
-            </a:r>
-            <a:r>
-              <a:rPr lang="en-US" altLang="ko-KR" sz="1200" smtClean="0">
-                <a:solidFill>
-                  <a:schemeClr val="tx1"/>
-                </a:solidFill>
-              </a:rPr>
-              <a:t>StringGrid2.Cells0[0</a:t>
-            </a:r>
-            <a:r>
-              <a:rPr lang="en-US" altLang="ko-KR" sz="1200" smtClean="0">
-                <a:solidFill>
-                  <a:schemeClr val="tx1"/>
-                </a:solidFill>
-              </a:rPr>
-              <a:t>, i + 1</a:t>
-            </a:r>
-            <a:r>
-              <a:rPr lang="en-US" altLang="ko-KR" sz="1200" smtClean="0">
-                <a:solidFill>
-                  <a:schemeClr val="tx1"/>
-                </a:solidFill>
-              </a:rPr>
-              <a:t>] </a:t>
-            </a:r>
-            <a:r>
-              <a:rPr lang="en-US" altLang="ko-KR" sz="1200" smtClean="0">
-                <a:solidFill>
-                  <a:schemeClr val="tx1"/>
-                </a:solidFill>
-              </a:rPr>
-              <a:t>= aSubRecord.iCode</a:t>
-            </a:r>
-            <a:endParaRPr lang="en-US" altLang="ko-KR" sz="1200" smtClean="0">
-              <a:solidFill>
-                <a:schemeClr val="tx1"/>
-              </a:solidFill>
-            </a:endParaRPr>
+              <a:t>    StringGrid2.Cells0[0, i + 1] = aSubRecord.iCode</a:t>
+            </a:r>
           </a:p>
         </p:txBody>
       </p:sp>
@@ -17234,37 +16272,8 @@
                   <a:schemeClr val="tx1"/>
                 </a:solidFill>
               </a:rPr>
-              <a:t>StringGrid2.Cells[1, i + 1</a:t>
-            </a:r>
-            <a:r>
-              <a:rPr lang="en-US" altLang="ko-KR" sz="1200" smtClean="0">
-                <a:solidFill>
-                  <a:schemeClr val="tx1"/>
-                </a:solidFill>
-              </a:rPr>
-              <a:t>] </a:t>
-            </a:r>
-            <a:r>
-              <a:rPr lang="en-US" altLang="ko-KR" sz="1200" smtClean="0">
-                <a:solidFill>
-                  <a:schemeClr val="tx1"/>
-                </a:solidFill>
-              </a:rPr>
-              <a:t>= </a:t>
-            </a:r>
-            <a:r>
-              <a:rPr lang="en-US" altLang="ko-KR" sz="1200" smtClean="0">
-                <a:solidFill>
-                  <a:schemeClr val="tx1"/>
-                </a:solidFill>
-              </a:rPr>
-              <a:t>FormatFloat('0.##',(aSubRecord.iCurrSum / aSubRecord.iCurrCount / 100))</a:t>
-            </a:r>
-            <a:endParaRPr lang="en-US" altLang="ko-KR" sz="1200" smtClean="0">
-              <a:solidFill>
-                <a:schemeClr val="tx1"/>
-              </a:solidFill>
-            </a:endParaRPr>
+              <a:t>StringGrid2.Cells[1, i + 1] = FormatFloat('0.##',(aSubRecord.iCurrSum / aSubRecord.iCurrCount / 100))</a:t>
+            </a:r>
           </a:p>
         </p:txBody>
       </p:sp>
@@ -17311,37 +16320,8 @@
                   <a:schemeClr val="tx1"/>
                 </a:solidFill>
               </a:rPr>
-              <a:t>StringGrid2.Cells[1, i + 1</a:t>
-            </a:r>
-            <a:r>
-              <a:rPr lang="en-US" altLang="ko-KR" sz="1200" smtClean="0">
-                <a:solidFill>
-                  <a:schemeClr val="tx1"/>
-                </a:solidFill>
-              </a:rPr>
-              <a:t>] </a:t>
-            </a:r>
-            <a:r>
-              <a:rPr lang="en-US" altLang="ko-KR" sz="1200" smtClean="0">
-                <a:solidFill>
-                  <a:schemeClr val="tx1"/>
-                </a:solidFill>
-              </a:rPr>
-              <a:t>= </a:t>
-            </a:r>
-            <a:r>
-              <a:rPr lang="en-US" altLang="ko-KR" sz="1200" smtClean="0">
-                <a:solidFill>
-                  <a:schemeClr val="tx1"/>
-                </a:solidFill>
-              </a:rPr>
-              <a:t>''</a:t>
-            </a:r>
-            <a:endParaRPr lang="en-US" altLang="ko-KR" sz="1200" smtClean="0">
-              <a:solidFill>
-                <a:schemeClr val="tx1"/>
-              </a:solidFill>
-            </a:endParaRPr>
+              <a:t>StringGrid2.Cells[1, i + 1] = ''</a:t>
+            </a:r>
           </a:p>
         </p:txBody>
       </p:sp>
@@ -17452,37 +16432,8 @@
                   <a:schemeClr val="tx1"/>
                 </a:solidFill>
               </a:rPr>
-              <a:t>      StringGrid2.Cells[3, i + </a:t>
-            </a:r>
-            <a:r>
-              <a:rPr lang="en-US" altLang="ko-KR" sz="1200" smtClean="0">
-                <a:solidFill>
-                  <a:schemeClr val="tx1"/>
-                </a:solidFill>
-              </a:rPr>
-              <a:t>1</a:t>
-            </a:r>
-            <a:r>
-              <a:rPr lang="en-US" altLang="ko-KR" sz="1200" smtClean="0">
-                <a:solidFill>
-                  <a:schemeClr val="tx1"/>
-                </a:solidFill>
-              </a:rPr>
-              <a:t>]:=FormatFloat</a:t>
-            </a:r>
-            <a:r>
-              <a:rPr lang="en-US" altLang="ko-KR" sz="1200" smtClean="0">
-                <a:solidFill>
-                  <a:schemeClr val="tx1"/>
-                </a:solidFill>
-              </a:rPr>
-              <a:t>('0.##',(aSubRecord.iMdSum / aSubRecord.iMmCount / 100));</a:t>
-            </a:r>
-            <a:endParaRPr lang="en-US" altLang="ko-KR" sz="1200" smtClean="0">
-              <a:solidFill>
-                <a:schemeClr val="tx1"/>
-              </a:solidFill>
-            </a:endParaRPr>
+              <a:t>      StringGrid2.Cells[3, i + 1]:=FormatFloat('0.##',(aSubRecord.iMdSum / aSubRecord.iMmCount / 100));</a:t>
+            </a:r>
           </a:p>
         </p:txBody>
       </p:sp>
@@ -17529,69 +16480,19 @@
                   <a:schemeClr val="tx1"/>
                 </a:solidFill>
               </a:rPr>
-              <a:t>StringGrid2.Cells[2, i + 1</a:t>
-            </a:r>
+              <a:t>StringGrid2.Cells[2, i + 1] = ''</a:t>
+            </a:r>
+          </a:p>
+          <a:p>
+            <a:pPr algn="ctr"/>
             <a:r>
               <a:rPr lang="en-US" altLang="ko-KR" sz="1200" smtClean="0">
                 <a:solidFill>
                   <a:schemeClr val="tx1"/>
                 </a:solidFill>
               </a:rPr>
-              <a:t>] </a:t>
-            </a:r>
-            <a:r>
-              <a:rPr lang="en-US" altLang="ko-KR" sz="1200" smtClean="0">
-                <a:solidFill>
-                  <a:schemeClr val="tx1"/>
-                </a:solidFill>
-              </a:rPr>
-              <a:t>= ''</a:t>
-            </a:r>
-            <a:endParaRPr lang="en-US" altLang="ko-KR" sz="1200" smtClean="0">
-              <a:solidFill>
-                <a:schemeClr val="tx1"/>
-              </a:solidFill>
-            </a:endParaRPr>
-          </a:p>
-          <a:p>
-            <a:pPr algn="ctr"/>
-            <a:r>
-              <a:rPr lang="en-US" altLang="ko-KR" sz="1200" smtClean="0">
-                <a:solidFill>
-                  <a:schemeClr val="tx1"/>
-                </a:solidFill>
-              </a:rPr>
-              <a:t>StringGrid2.Cells[3</a:t>
-            </a:r>
-            <a:r>
-              <a:rPr lang="en-US" altLang="ko-KR" sz="1200" smtClean="0">
-                <a:solidFill>
-                  <a:schemeClr val="tx1"/>
-                </a:solidFill>
-              </a:rPr>
-              <a:t>, i + 1</a:t>
-            </a:r>
-            <a:r>
-              <a:rPr lang="en-US" altLang="ko-KR" sz="1200" smtClean="0">
-                <a:solidFill>
-                  <a:schemeClr val="tx1"/>
-                </a:solidFill>
-              </a:rPr>
-              <a:t>] </a:t>
-            </a:r>
-            <a:r>
-              <a:rPr lang="en-US" altLang="ko-KR" sz="1200" smtClean="0">
-                <a:solidFill>
-                  <a:schemeClr val="tx1"/>
-                </a:solidFill>
-              </a:rPr>
-              <a:t>= ''</a:t>
-            </a:r>
-            <a:endParaRPr lang="en-US" altLang="ko-KR" sz="1200" smtClean="0">
-              <a:solidFill>
-                <a:schemeClr val="tx1"/>
-              </a:solidFill>
-            </a:endParaRPr>
+              <a:t>StringGrid2.Cells[3, i + 1] = ''</a:t>
+            </a:r>
           </a:p>
         </p:txBody>
       </p:sp>
@@ -17638,45 +16539,8 @@
                   <a:schemeClr val="tx1"/>
                 </a:solidFill>
               </a:rPr>
-              <a:t>StringGrid2.RowCount </a:t>
-            </a:r>
-            <a:r>
-              <a:rPr lang="en-US" altLang="ko-KR" sz="1200" smtClean="0">
-                <a:solidFill>
-                  <a:schemeClr val="tx1"/>
-                </a:solidFill>
-              </a:rPr>
-              <a:t>= </a:t>
-            </a:r>
-            <a:r>
-              <a:rPr lang="en-US" altLang="ko-KR" sz="1200" smtClean="0">
-                <a:solidFill>
-                  <a:schemeClr val="tx1"/>
-                </a:solidFill>
-              </a:rPr>
-              <a:t>StringGrid2.RowCount </a:t>
-            </a:r>
-            <a:r>
-              <a:rPr lang="en-US" altLang="ko-KR" sz="1200" smtClean="0">
-                <a:solidFill>
-                  <a:schemeClr val="tx1"/>
-                </a:solidFill>
-              </a:rPr>
-              <a:t>+ </a:t>
-            </a:r>
-            <a:r>
-              <a:rPr lang="en-US" altLang="ko-KR" sz="1200" smtClean="0">
-                <a:solidFill>
-                  <a:schemeClr val="tx1"/>
-                </a:solidFill>
-              </a:rPr>
-              <a:t>1</a:t>
-            </a:r>
-            <a:endParaRPr lang="en-US" altLang="ko-KR" sz="1200" smtClean="0">
-              <a:solidFill>
-                <a:schemeClr val="tx1"/>
-              </a:solidFill>
-            </a:endParaRPr>
+              <a:t>StringGrid2.RowCount = StringGrid2.RowCount + 1</a:t>
+            </a:r>
           </a:p>
         </p:txBody>
       </p:sp>
@@ -17723,45 +16587,8 @@
                   <a:schemeClr val="tx1"/>
                 </a:solidFill>
               </a:rPr>
-              <a:t>StringGrid2.RowCount </a:t>
-            </a:r>
-            <a:r>
-              <a:rPr lang="en-US" altLang="ko-KR" sz="1200" smtClean="0">
-                <a:solidFill>
-                  <a:schemeClr val="tx1"/>
-                </a:solidFill>
-              </a:rPr>
-              <a:t>= </a:t>
-            </a:r>
-            <a:r>
-              <a:rPr lang="en-US" altLang="ko-KR" sz="1200" smtClean="0">
-                <a:solidFill>
-                  <a:schemeClr val="tx1"/>
-                </a:solidFill>
-              </a:rPr>
-              <a:t>StringGrid2.RowCount </a:t>
-            </a:r>
-            <a:r>
-              <a:rPr lang="en-US" altLang="ko-KR" sz="1200" smtClean="0">
-                <a:solidFill>
-                  <a:schemeClr val="tx1"/>
-                </a:solidFill>
-              </a:rPr>
-              <a:t>- </a:t>
-            </a:r>
-            <a:r>
-              <a:rPr lang="en-US" altLang="ko-KR" sz="1200" smtClean="0">
-                <a:solidFill>
-                  <a:schemeClr val="tx1"/>
-                </a:solidFill>
-              </a:rPr>
-              <a:t>1</a:t>
-            </a:r>
-            <a:endParaRPr lang="en-US" altLang="ko-KR" sz="1200" smtClean="0">
-              <a:solidFill>
-                <a:schemeClr val="tx1"/>
-              </a:solidFill>
-            </a:endParaRPr>
+              <a:t>StringGrid2.RowCount = StringGrid2.RowCount - 1</a:t>
+            </a:r>
           </a:p>
         </p:txBody>
       </p:sp>
